--- a/Segurança na internet.pptx
+++ b/Segurança na internet.pptx
@@ -5,10 +5,10 @@
     <p:sldMasterId id="2147483648" r:id="rId4"/>
   </p:sldMasterIdLst>
   <p:notesMasterIdLst>
-    <p:notesMasterId r:id="rId70"/>
+    <p:notesMasterId r:id="rId71"/>
   </p:notesMasterIdLst>
   <p:handoutMasterIdLst>
-    <p:handoutMasterId r:id="rId71"/>
+    <p:handoutMasterId r:id="rId72"/>
   </p:handoutMasterIdLst>
   <p:sldIdLst>
     <p:sldId id="342" r:id="rId5"/>
@@ -76,6 +76,7 @@
     <p:sldId id="438" r:id="rId67"/>
     <p:sldId id="440" r:id="rId68"/>
     <p:sldId id="372" r:id="rId69"/>
+    <p:sldId id="442" r:id="rId70"/>
   </p:sldIdLst>
   <p:sldSz cx="12192000" cy="6858000"/>
   <p:notesSz cx="6858000" cy="9144000"/>
@@ -298,7 +299,7 @@
             <a:pPr rtl="0"/>
             <a:fld id="{51086420-A740-4F15-A3C6-30D861C56993}" type="datetime1">
               <a:rPr lang="pt-BR" smtClean="0"/>
-              <a:t>05/06/2024</a:t>
+              <a:t>10/06/2024</a:t>
             </a:fld>
             <a:endParaRPr lang="pt-BR" dirty="0"/>
           </a:p>
@@ -479,7 +480,7 @@
             <a:fld id="{A1707962-53E0-44BB-8889-074197576794}" type="datetime1">
               <a:rPr lang="pt-BR" smtClean="0"/>
               <a:pPr/>
-              <a:t>05/06/2024</a:t>
+              <a:t>10/06/2024</a:t>
             </a:fld>
             <a:endParaRPr lang="pt-BR" dirty="0"/>
           </a:p>
@@ -6635,6 +6636,100 @@
     <p:extLst>
       <p:ext uri="{BB962C8B-B14F-4D97-AF65-F5344CB8AC3E}">
         <p14:creationId xmlns:p14="http://schemas.microsoft.com/office/powerpoint/2010/main" val="4167890113"/>
+      </p:ext>
+    </p:extLst>
+  </p:cSld>
+  <p:clrMapOvr>
+    <a:masterClrMapping/>
+  </p:clrMapOvr>
+</p:notes>
+</file>
+
+<file path=ppt/notesSlides/notesSlide66.xml><?xml version="1.0" encoding="utf-8"?>
+<p:notes xmlns:a="http://schemas.openxmlformats.org/drawingml/2006/main" xmlns:r="http://schemas.openxmlformats.org/officeDocument/2006/relationships" xmlns:p="http://schemas.openxmlformats.org/presentationml/2006/main">
+  <p:cSld>
+    <p:spTree>
+      <p:nvGrpSpPr>
+        <p:cNvPr id="1" name=""/>
+        <p:cNvGrpSpPr/>
+        <p:nvPr/>
+      </p:nvGrpSpPr>
+      <p:grpSpPr>
+        <a:xfrm>
+          <a:off x="0" y="0"/>
+          <a:ext cx="0" cy="0"/>
+          <a:chOff x="0" y="0"/>
+          <a:chExt cx="0" cy="0"/>
+        </a:xfrm>
+      </p:grpSpPr>
+      <p:sp>
+        <p:nvSpPr>
+          <p:cNvPr id="2" name="Espaço Reservado para Imagem do Slide 1"/>
+          <p:cNvSpPr>
+            <a:spLocks noGrp="1" noRot="1" noChangeAspect="1"/>
+          </p:cNvSpPr>
+          <p:nvPr>
+            <p:ph type="sldImg"/>
+          </p:nvPr>
+        </p:nvSpPr>
+        <p:spPr/>
+      </p:sp>
+      <p:sp>
+        <p:nvSpPr>
+          <p:cNvPr id="3" name="Espaço Reservado para Notas 2"/>
+          <p:cNvSpPr>
+            <a:spLocks noGrp="1"/>
+          </p:cNvSpPr>
+          <p:nvPr>
+            <p:ph type="body" idx="1"/>
+          </p:nvPr>
+        </p:nvSpPr>
+        <p:spPr/>
+        <p:txBody>
+          <a:bodyPr rtlCol="0"/>
+          <a:lstStyle>
+            <a:defPPr>
+              <a:defRPr lang="pt-BR"/>
+            </a:defPPr>
+          </a:lstStyle>
+          <a:p>
+            <a:pPr rtl="0"/>
+            <a:endParaRPr lang="pt-BR" dirty="0"/>
+          </a:p>
+        </p:txBody>
+      </p:sp>
+      <p:sp>
+        <p:nvSpPr>
+          <p:cNvPr id="4" name="Espaço Reservado para o Número do Slide 3"/>
+          <p:cNvSpPr>
+            <a:spLocks noGrp="1"/>
+          </p:cNvSpPr>
+          <p:nvPr>
+            <p:ph type="sldNum" sz="quarter" idx="5"/>
+          </p:nvPr>
+        </p:nvSpPr>
+        <p:spPr/>
+        <p:txBody>
+          <a:bodyPr rtlCol="0"/>
+          <a:lstStyle>
+            <a:defPPr>
+              <a:defRPr lang="pt-BR"/>
+            </a:defPPr>
+          </a:lstStyle>
+          <a:p>
+            <a:pPr rtl="0"/>
+            <a:fld id="{DEF75CB5-5666-5049-9AE0-38EFD385C21E}" type="slidenum">
+              <a:rPr lang="pt-BR" smtClean="0"/>
+              <a:t>66</a:t>
+            </a:fld>
+            <a:endParaRPr lang="pt-BR" dirty="0"/>
+          </a:p>
+        </p:txBody>
+      </p:sp>
+    </p:spTree>
+    <p:extLst>
+      <p:ext uri="{BB962C8B-B14F-4D97-AF65-F5344CB8AC3E}">
+        <p14:creationId xmlns:p14="http://schemas.microsoft.com/office/powerpoint/2010/main" val="3201767125"/>
       </p:ext>
     </p:extLst>
   </p:cSld>
@@ -31272,6 +31367,196 @@
 </p:sld>
 </file>
 
+<file path=ppt/slides/slide66.xml><?xml version="1.0" encoding="utf-8"?>
+<p:sld xmlns:a="http://schemas.openxmlformats.org/drawingml/2006/main" xmlns:r="http://schemas.openxmlformats.org/officeDocument/2006/relationships" xmlns:p="http://schemas.openxmlformats.org/presentationml/2006/main">
+  <p:cSld>
+    <p:spTree>
+      <p:nvGrpSpPr>
+        <p:cNvPr id="1" name=""/>
+        <p:cNvGrpSpPr/>
+        <p:nvPr/>
+      </p:nvGrpSpPr>
+      <p:grpSpPr>
+        <a:xfrm>
+          <a:off x="0" y="0"/>
+          <a:ext cx="0" cy="0"/>
+          <a:chOff x="0" y="0"/>
+          <a:chExt cx="0" cy="0"/>
+        </a:xfrm>
+      </p:grpSpPr>
+      <p:pic>
+        <p:nvPicPr>
+          <p:cNvPr id="12" name="Imagem 11">
+            <a:extLst>
+              <a:ext uri="{FF2B5EF4-FFF2-40B4-BE49-F238E27FC236}">
+                <a16:creationId xmlns:a16="http://schemas.microsoft.com/office/drawing/2014/main" id="{25308A07-0436-AA74-9B76-E1ED951EE6B9}"/>
+              </a:ext>
+            </a:extLst>
+          </p:cNvPr>
+          <p:cNvPicPr>
+            <a:picLocks noChangeAspect="1"/>
+          </p:cNvPicPr>
+          <p:nvPr/>
+        </p:nvPicPr>
+        <p:blipFill>
+          <a:blip r:embed="rId3"/>
+          <a:stretch>
+            <a:fillRect/>
+          </a:stretch>
+        </p:blipFill>
+        <p:spPr>
+          <a:xfrm>
+            <a:off x="-45975" y="0"/>
+            <a:ext cx="12305791" cy="6922007"/>
+          </a:xfrm>
+          <a:prstGeom prst="rect">
+            <a:avLst/>
+          </a:prstGeom>
+        </p:spPr>
+      </p:pic>
+      <p:sp>
+        <p:nvSpPr>
+          <p:cNvPr id="3" name="Espaço Reservado para o Número do Slide 2">
+            <a:extLst>
+              <a:ext uri="{FF2B5EF4-FFF2-40B4-BE49-F238E27FC236}">
+                <a16:creationId xmlns:a16="http://schemas.microsoft.com/office/drawing/2014/main" id="{A6A971A9-0C5C-DDFC-67F9-2E5A55F12F67}"/>
+              </a:ext>
+            </a:extLst>
+          </p:cNvPr>
+          <p:cNvSpPr>
+            <a:spLocks noGrp="1"/>
+          </p:cNvSpPr>
+          <p:nvPr>
+            <p:ph type="sldNum" sz="quarter" idx="12"/>
+          </p:nvPr>
+        </p:nvSpPr>
+        <p:spPr>
+          <a:xfrm>
+            <a:off x="9140971" y="6226198"/>
+            <a:ext cx="2743200" cy="365125"/>
+          </a:xfrm>
+        </p:spPr>
+        <p:txBody>
+          <a:bodyPr rtlCol="0"/>
+          <a:lstStyle>
+            <a:defPPr>
+              <a:defRPr lang="pt-BR"/>
+            </a:defPPr>
+          </a:lstStyle>
+          <a:p>
+            <a:pPr rtl="0"/>
+            <a:fld id="{FE024F78-56A6-7740-B68D-8D4D026EDF3F}" type="slidenum">
+              <a:rPr lang="pt-BR" smtClean="0"/>
+              <a:pPr rtl="0"/>
+              <a:t>66</a:t>
+            </a:fld>
+            <a:endParaRPr lang="pt-BR" dirty="0"/>
+          </a:p>
+        </p:txBody>
+      </p:sp>
+      <p:sp>
+        <p:nvSpPr>
+          <p:cNvPr id="5" name="AutoShape 4">
+            <a:extLst>
+              <a:ext uri="{FF2B5EF4-FFF2-40B4-BE49-F238E27FC236}">
+                <a16:creationId xmlns:a16="http://schemas.microsoft.com/office/drawing/2014/main" id="{DA285A66-7A2F-47A3-8C9F-ABDFF5F5CAC7}"/>
+              </a:ext>
+            </a:extLst>
+          </p:cNvPr>
+          <p:cNvSpPr>
+            <a:spLocks noChangeAspect="1" noChangeArrowheads="1"/>
+          </p:cNvSpPr>
+          <p:nvPr/>
+        </p:nvSpPr>
+        <p:spPr bwMode="auto">
+          <a:xfrm>
+            <a:off x="5943600" y="3276600"/>
+            <a:ext cx="304800" cy="304800"/>
+          </a:xfrm>
+          <a:prstGeom prst="rect">
+            <a:avLst/>
+          </a:prstGeom>
+          <a:noFill/>
+          <a:extLst>
+            <a:ext uri="{909E8E84-426E-40DD-AFC4-6F175D3DCCD1}">
+              <a14:hiddenFill xmlns:a14="http://schemas.microsoft.com/office/drawing/2010/main">
+                <a:solidFill>
+                  <a:srgbClr val="FFFFFF"/>
+                </a:solidFill>
+              </a14:hiddenFill>
+            </a:ext>
+          </a:extLst>
+        </p:spPr>
+        <p:txBody>
+          <a:bodyPr vert="horz" wrap="square" lIns="91440" tIns="45720" rIns="91440" bIns="45720" numCol="1" anchor="t" anchorCtr="0" compatLnSpc="1">
+            <a:prstTxWarp prst="textNoShape">
+              <a:avLst/>
+            </a:prstTxWarp>
+          </a:bodyPr>
+          <a:lstStyle/>
+          <a:p>
+            <a:endParaRPr lang="pt-BR"/>
+          </a:p>
+        </p:txBody>
+      </p:sp>
+      <p:sp>
+        <p:nvSpPr>
+          <p:cNvPr id="7" name="AutoShape 6">
+            <a:extLst>
+              <a:ext uri="{FF2B5EF4-FFF2-40B4-BE49-F238E27FC236}">
+                <a16:creationId xmlns:a16="http://schemas.microsoft.com/office/drawing/2014/main" id="{267C2C4B-2D07-FBF5-9983-889986EF5528}"/>
+              </a:ext>
+            </a:extLst>
+          </p:cNvPr>
+          <p:cNvSpPr>
+            <a:spLocks noChangeAspect="1" noChangeArrowheads="1"/>
+          </p:cNvSpPr>
+          <p:nvPr/>
+        </p:nvSpPr>
+        <p:spPr bwMode="auto">
+          <a:xfrm>
+            <a:off x="6096000" y="3429000"/>
+            <a:ext cx="304800" cy="304800"/>
+          </a:xfrm>
+          <a:prstGeom prst="rect">
+            <a:avLst/>
+          </a:prstGeom>
+          <a:noFill/>
+          <a:extLst>
+            <a:ext uri="{909E8E84-426E-40DD-AFC4-6F175D3DCCD1}">
+              <a14:hiddenFill xmlns:a14="http://schemas.microsoft.com/office/drawing/2010/main">
+                <a:solidFill>
+                  <a:srgbClr val="FFFFFF"/>
+                </a:solidFill>
+              </a14:hiddenFill>
+            </a:ext>
+          </a:extLst>
+        </p:spPr>
+        <p:txBody>
+          <a:bodyPr vert="horz" wrap="square" lIns="91440" tIns="45720" rIns="91440" bIns="45720" numCol="1" anchor="t" anchorCtr="0" compatLnSpc="1">
+            <a:prstTxWarp prst="textNoShape">
+              <a:avLst/>
+            </a:prstTxWarp>
+          </a:bodyPr>
+          <a:lstStyle/>
+          <a:p>
+            <a:endParaRPr lang="pt-BR"/>
+          </a:p>
+        </p:txBody>
+      </p:sp>
+    </p:spTree>
+    <p:extLst>
+      <p:ext uri="{BB962C8B-B14F-4D97-AF65-F5344CB8AC3E}">
+        <p14:creationId xmlns:p14="http://schemas.microsoft.com/office/powerpoint/2010/main" val="2664445489"/>
+      </p:ext>
+    </p:extLst>
+  </p:cSld>
+  <p:clrMapOvr>
+    <a:masterClrMapping/>
+  </p:clrMapOvr>
+</p:sld>
+</file>
+
 <file path=ppt/slides/slide7.xml><?xml version="1.0" encoding="utf-8"?>
 <p:sld xmlns:a="http://schemas.openxmlformats.org/drawingml/2006/main" xmlns:r="http://schemas.openxmlformats.org/officeDocument/2006/relationships" xmlns:p="http://schemas.openxmlformats.org/presentationml/2006/main">
   <p:cSld>
@@ -32942,26 +33227,6 @@
 </file>
 
 <file path=customXml/item1.xml><?xml version="1.0" encoding="utf-8"?>
-<p:properties xmlns:p="http://schemas.microsoft.com/office/2006/metadata/properties" xmlns:xsi="http://www.w3.org/2001/XMLSchema-instance" xmlns:pc="http://schemas.microsoft.com/office/infopath/2007/PartnerControls">
-  <documentManagement>
-    <_ip_UnifiedCompliancePolicyUIAction xmlns="http://schemas.microsoft.com/sharepoint/v3" xsi:nil="true"/>
-    <Image xmlns="71af3243-3dd4-4a8d-8c0d-dd76da1f02a5">
-      <Url xsi:nil="true"/>
-      <Description xsi:nil="true"/>
-    </Image>
-    <Status xmlns="71af3243-3dd4-4a8d-8c0d-dd76da1f02a5">Not started</Status>
-    <Background xmlns="71af3243-3dd4-4a8d-8c0d-dd76da1f02a5">false</Background>
-    <_ip_UnifiedCompliancePolicyProperties xmlns="http://schemas.microsoft.com/sharepoint/v3" xsi:nil="true"/>
-    <ImageTagsTaxHTField xmlns="71af3243-3dd4-4a8d-8c0d-dd76da1f02a5">
-      <Terms xmlns="http://schemas.microsoft.com/office/infopath/2007/PartnerControls"/>
-    </ImageTagsTaxHTField>
-    <TaxCatchAll xmlns="230e9df3-be65-4c73-a93b-d1236ebd677e" xsi:nil="true"/>
-    <MediaServiceKeyPoints xmlns="71af3243-3dd4-4a8d-8c0d-dd76da1f02a5" xsi:nil="true"/>
-  </documentManagement>
-</p:properties>
-</file>
-
-<file path=customXml/item2.xml><?xml version="1.0" encoding="utf-8"?>
 <?mso-contentType ?>
 <FormTemplates xmlns="http://schemas.microsoft.com/sharepoint/v3/contenttype/forms">
   <Display>DocumentLibraryForm</Display>
@@ -32970,7 +33235,7 @@
 </FormTemplates>
 </file>
 
-<file path=customXml/item3.xml><?xml version="1.0" encoding="utf-8"?>
+<file path=customXml/item2.xml><?xml version="1.0" encoding="utf-8"?>
 <ct:contentTypeSchema xmlns:ct="http://schemas.microsoft.com/office/2006/metadata/contentType" xmlns:ma="http://schemas.microsoft.com/office/2006/metadata/properties/metaAttributes" ct:_="" ma:_="" ma:contentTypeName="Document" ma:contentTypeID="0x01010079F111ED35F8CC479449609E8A0923A6" ma:contentTypeVersion="28" ma:contentTypeDescription="Create a new document." ma:contentTypeScope="" ma:versionID="60f5a4f2d2b0abadcf532d48ebf9cb71">
   <xsd:schema xmlns:xsd="http://www.w3.org/2001/XMLSchema" xmlns:xs="http://www.w3.org/2001/XMLSchema" xmlns:p="http://schemas.microsoft.com/office/2006/metadata/properties" xmlns:ns1="http://schemas.microsoft.com/sharepoint/v3" xmlns:ns2="71af3243-3dd4-4a8d-8c0d-dd76da1f02a5" xmlns:ns3="16c05727-aa75-4e4a-9b5f-8a80a1165891" xmlns:ns4="230e9df3-be65-4c73-a93b-d1236ebd677e" targetNamespace="http://schemas.microsoft.com/office/2006/metadata/properties" ma:root="true" ma:fieldsID="7dd78129e6a1811f84807ad11c651531" ns1:_="" ns2:_="" ns3:_="" ns4:_="">
     <xsd:import namespace="http://schemas.microsoft.com/sharepoint/v3"/>
@@ -33282,26 +33547,27 @@
 </ct:contentTypeSchema>
 </file>
 
-<file path=customXml/itemProps1.xml><?xml version="1.0" encoding="utf-8"?>
-<ds:datastoreItem xmlns:ds="http://schemas.openxmlformats.org/officeDocument/2006/customXml" ds:itemID="{E305301E-11B3-4B9D-A588-21F3C9809371}">
-  <ds:schemaRefs>
-    <ds:schemaRef ds:uri="http://schemas.microsoft.com/office/2006/documentManagement/types"/>
-    <ds:schemaRef ds:uri="http://purl.org/dc/dcmitype/"/>
-    <ds:schemaRef ds:uri="http://schemas.microsoft.com/office/infopath/2007/PartnerControls"/>
-    <ds:schemaRef ds:uri="http://purl.org/dc/elements/1.1/"/>
-    <ds:schemaRef ds:uri="http://schemas.microsoft.com/office/2006/metadata/properties"/>
-    <ds:schemaRef ds:uri="http://schemas.microsoft.com/sharepoint/v3"/>
-    <ds:schemaRef ds:uri="230e9df3-be65-4c73-a93b-d1236ebd677e"/>
-    <ds:schemaRef ds:uri="http://purl.org/dc/terms/"/>
-    <ds:schemaRef ds:uri="http://schemas.openxmlformats.org/package/2006/metadata/core-properties"/>
-    <ds:schemaRef ds:uri="16c05727-aa75-4e4a-9b5f-8a80a1165891"/>
-    <ds:schemaRef ds:uri="71af3243-3dd4-4a8d-8c0d-dd76da1f02a5"/>
-    <ds:schemaRef ds:uri="http://www.w3.org/XML/1998/namespace"/>
-  </ds:schemaRefs>
-</ds:datastoreItem>
+<file path=customXml/item3.xml><?xml version="1.0" encoding="utf-8"?>
+<p:properties xmlns:p="http://schemas.microsoft.com/office/2006/metadata/properties" xmlns:xsi="http://www.w3.org/2001/XMLSchema-instance" xmlns:pc="http://schemas.microsoft.com/office/infopath/2007/PartnerControls">
+  <documentManagement>
+    <_ip_UnifiedCompliancePolicyUIAction xmlns="http://schemas.microsoft.com/sharepoint/v3" xsi:nil="true"/>
+    <Image xmlns="71af3243-3dd4-4a8d-8c0d-dd76da1f02a5">
+      <Url xsi:nil="true"/>
+      <Description xsi:nil="true"/>
+    </Image>
+    <Status xmlns="71af3243-3dd4-4a8d-8c0d-dd76da1f02a5">Not started</Status>
+    <Background xmlns="71af3243-3dd4-4a8d-8c0d-dd76da1f02a5">false</Background>
+    <_ip_UnifiedCompliancePolicyProperties xmlns="http://schemas.microsoft.com/sharepoint/v3" xsi:nil="true"/>
+    <ImageTagsTaxHTField xmlns="71af3243-3dd4-4a8d-8c0d-dd76da1f02a5">
+      <Terms xmlns="http://schemas.microsoft.com/office/infopath/2007/PartnerControls"/>
+    </ImageTagsTaxHTField>
+    <TaxCatchAll xmlns="230e9df3-be65-4c73-a93b-d1236ebd677e" xsi:nil="true"/>
+    <MediaServiceKeyPoints xmlns="71af3243-3dd4-4a8d-8c0d-dd76da1f02a5" xsi:nil="true"/>
+  </documentManagement>
+</p:properties>
 </file>
 
-<file path=customXml/itemProps2.xml><?xml version="1.0" encoding="utf-8"?>
+<file path=customXml/itemProps1.xml><?xml version="1.0" encoding="utf-8"?>
 <ds:datastoreItem xmlns:ds="http://schemas.openxmlformats.org/officeDocument/2006/customXml" ds:itemID="{44137456-21FC-4AE2-8A94-BF06CAF2EB9B}">
   <ds:schemaRefs>
     <ds:schemaRef ds:uri="http://schemas.microsoft.com/sharepoint/v3/contenttype/forms"/>
@@ -33309,7 +33575,7 @@
 </ds:datastoreItem>
 </file>
 
-<file path=customXml/itemProps3.xml><?xml version="1.0" encoding="utf-8"?>
+<file path=customXml/itemProps2.xml><?xml version="1.0" encoding="utf-8"?>
 <ds:datastoreItem xmlns:ds="http://schemas.openxmlformats.org/officeDocument/2006/customXml" ds:itemID="{C77B561B-3A65-4A22-9691-EB838E7F9B87}">
   <ds:schemaRefs>
     <ds:schemaRef ds:uri="http://schemas.microsoft.com/office/2006/metadata/contentType"/>
@@ -33330,6 +33596,25 @@
 </ds:datastoreItem>
 </file>
 
+<file path=customXml/itemProps3.xml><?xml version="1.0" encoding="utf-8"?>
+<ds:datastoreItem xmlns:ds="http://schemas.openxmlformats.org/officeDocument/2006/customXml" ds:itemID="{E305301E-11B3-4B9D-A588-21F3C9809371}">
+  <ds:schemaRefs>
+    <ds:schemaRef ds:uri="http://schemas.microsoft.com/office/2006/documentManagement/types"/>
+    <ds:schemaRef ds:uri="http://purl.org/dc/dcmitype/"/>
+    <ds:schemaRef ds:uri="http://schemas.microsoft.com/office/infopath/2007/PartnerControls"/>
+    <ds:schemaRef ds:uri="http://purl.org/dc/elements/1.1/"/>
+    <ds:schemaRef ds:uri="http://schemas.microsoft.com/office/2006/metadata/properties"/>
+    <ds:schemaRef ds:uri="http://schemas.microsoft.com/sharepoint/v3"/>
+    <ds:schemaRef ds:uri="230e9df3-be65-4c73-a93b-d1236ebd677e"/>
+    <ds:schemaRef ds:uri="http://purl.org/dc/terms/"/>
+    <ds:schemaRef ds:uri="http://schemas.openxmlformats.org/package/2006/metadata/core-properties"/>
+    <ds:schemaRef ds:uri="16c05727-aa75-4e4a-9b5f-8a80a1165891"/>
+    <ds:schemaRef ds:uri="71af3243-3dd4-4a8d-8c0d-dd76da1f02a5"/>
+    <ds:schemaRef ds:uri="http://www.w3.org/XML/1998/namespace"/>
+  </ds:schemaRefs>
+</ds:datastoreItem>
+</file>
+
 <file path=docMetadata/LabelInfo.xml><?xml version="1.0" encoding="utf-8"?>
 <clbl:labelList xmlns:clbl="http://schemas.microsoft.com/office/2020/mipLabelMetadata"/>
 </file>